--- a/img/elgamal-weak.pptx
+++ b/img/elgamal-weak.pptx
@@ -151,7 +151,7 @@
       </p14:sectionLst>
     </p:ext>
     <p:ext uri="{EFAFB233-063F-42B5-8137-9DF3F51BA10A}">
-      <p15:sldGuideLst xmlns:p15="http://schemas.microsoft.com/office/powerpoint/2012/main" xmlns="">
+      <p15:sldGuideLst xmlns="" xmlns:p15="http://schemas.microsoft.com/office/powerpoint/2012/main">
         <p15:guide id="1" orient="horz" pos="2160">
           <p15:clr>
             <a:srgbClr val="A4A3A4"/>
@@ -165,7 +165,7 @@
       </p15:sldGuideLst>
     </p:ext>
     <p:ext uri="{2D200454-40CA-4A62-9FC3-DE9A4176ACB9}">
-      <p15:notesGuideLst xmlns:p15="http://schemas.microsoft.com/office/powerpoint/2012/main" xmlns="">
+      <p15:notesGuideLst xmlns="" xmlns:p15="http://schemas.microsoft.com/office/powerpoint/2012/main">
         <p15:guide id="1" orient="horz" pos="3223">
           <p15:clr>
             <a:srgbClr val="A4A3A4"/>
@@ -1995,8 +1995,8 @@
             </p:nvSpPr>
             <p:spPr>
               <a:xfrm>
-                <a:off x="96979" y="2568870"/>
-                <a:ext cx="1003757" cy="457433"/>
+                <a:off x="269776" y="2533078"/>
+                <a:ext cx="830960" cy="411779"/>
               </a:xfrm>
               <a:prstGeom prst="rect">
                 <a:avLst/>
@@ -2023,17 +2023,20 @@
                     </m:oMathParaPr>
                     <m:oMath xmlns:m="http://schemas.openxmlformats.org/officeDocument/2006/math">
                       <m:r>
-                        <a:rPr lang="en-US" altLang="ja-JP" sz="1200" i="1">
+                        <m:rPr>
+                          <m:sty m:val="p"/>
+                        </m:rPr>
+                        <a:rPr lang="en-US" altLang="ja-JP" sz="1050" i="0">
                           <a:latin typeface="Cambria Math"/>
                           <a:ea typeface="ＭＳ ゴシック" pitchFamily="49" charset="-128"/>
                           <a:cs typeface="Courier New" pitchFamily="49" charset="0"/>
                         </a:rPr>
-                        <m:t>𝐸𝑛𝑐</m:t>
+                        <m:t>Enc</m:t>
                       </m:r>
                       <m:d>
                         <m:dPr>
                           <m:ctrlPr>
-                            <a:rPr lang="en-US" altLang="ja-JP" sz="1200" i="1">
+                            <a:rPr lang="en-US" altLang="ja-JP" sz="1050" i="1">
                               <a:latin typeface="Cambria Math"/>
                               <a:ea typeface="ＭＳ ゴシック" pitchFamily="49" charset="-128"/>
                               <a:cs typeface="Courier New" pitchFamily="49" charset="0"/>
@@ -2042,7 +2045,7 @@
                         </m:dPr>
                         <m:e>
                           <m:r>
-                            <a:rPr lang="en-US" altLang="ja-JP" sz="1200" i="1">
+                            <a:rPr lang="en-US" altLang="ja-JP" sz="1050" i="1">
                               <a:latin typeface="Cambria Math"/>
                               <a:ea typeface="ＭＳ ゴシック" pitchFamily="49" charset="-128"/>
                               <a:cs typeface="Courier New" pitchFamily="49" charset="0"/>
@@ -2052,7 +2055,7 @@
                         </m:e>
                       </m:d>
                       <m:r>
-                        <a:rPr lang="en-US" altLang="ja-JP" sz="1200" b="0" i="1" smtClean="0">
+                        <a:rPr lang="en-US" altLang="ja-JP" sz="1050" b="0" i="1" smtClean="0">
                           <a:latin typeface="Cambria Math"/>
                           <a:ea typeface="ＭＳ ゴシック" pitchFamily="49" charset="-128"/>
                           <a:cs typeface="Courier New" pitchFamily="49" charset="0"/>
@@ -2062,7 +2065,7 @@
                       <m:sSub>
                         <m:sSubPr>
                           <m:ctrlPr>
-                            <a:rPr lang="en-US" altLang="ja-JP" sz="1200" b="0" i="1" smtClean="0">
+                            <a:rPr lang="en-US" altLang="ja-JP" sz="1050" b="0" i="1" smtClean="0">
                               <a:latin typeface="Cambria Math"/>
                               <a:ea typeface="ＭＳ ゴシック" pitchFamily="49" charset="-128"/>
                               <a:cs typeface="Courier New" pitchFamily="49" charset="0"/>
@@ -2071,7 +2074,7 @@
                         </m:sSubPr>
                         <m:e>
                           <m:r>
-                            <a:rPr lang="en-US" altLang="ja-JP" sz="1200" b="0" i="1" smtClean="0">
+                            <a:rPr lang="en-US" altLang="ja-JP" sz="1050" b="0" i="1" smtClean="0">
                               <a:latin typeface="Cambria Math"/>
                               <a:ea typeface="ＭＳ ゴシック" pitchFamily="49" charset="-128"/>
                               <a:cs typeface="Courier New" pitchFamily="49" charset="0"/>
@@ -2081,7 +2084,7 @@
                         </m:e>
                         <m:sub>
                           <m:r>
-                            <a:rPr lang="en-US" altLang="ja-JP" sz="1200" b="0" i="1" smtClean="0">
+                            <a:rPr lang="en-US" altLang="ja-JP" sz="1050" b="0" i="1" smtClean="0">
                               <a:latin typeface="Cambria Math"/>
                               <a:ea typeface="ＭＳ ゴシック" pitchFamily="49" charset="-128"/>
                               <a:cs typeface="Courier New" pitchFamily="49" charset="0"/>
@@ -2091,7 +2094,7 @@
                         </m:sub>
                       </m:sSub>
                       <m:r>
-                        <a:rPr lang="en-US" altLang="ja-JP" sz="1200" b="0" i="1" smtClean="0">
+                        <a:rPr lang="en-US" altLang="ja-JP" sz="1050" b="0" i="1" smtClean="0">
                           <a:latin typeface="Cambria Math"/>
                           <a:ea typeface="ＭＳ ゴシック" pitchFamily="49" charset="-128"/>
                           <a:cs typeface="Courier New" pitchFamily="49" charset="0"/>
@@ -2101,7 +2104,7 @@
                       <m:sSub>
                         <m:sSubPr>
                           <m:ctrlPr>
-                            <a:rPr lang="en-US" altLang="ja-JP" sz="1200" b="0" i="1" smtClean="0">
+                            <a:rPr lang="en-US" altLang="ja-JP" sz="1050" b="0" i="1" smtClean="0">
                               <a:latin typeface="Cambria Math"/>
                               <a:ea typeface="ＭＳ ゴシック" pitchFamily="49" charset="-128"/>
                               <a:cs typeface="Courier New" pitchFamily="49" charset="0"/>
@@ -2110,7 +2113,7 @@
                         </m:sSubPr>
                         <m:e>
                           <m:r>
-                            <a:rPr lang="en-US" altLang="ja-JP" sz="1200" b="0" i="1" smtClean="0">
+                            <a:rPr lang="en-US" altLang="ja-JP" sz="1050" b="0" i="1" smtClean="0">
                               <a:latin typeface="Cambria Math"/>
                               <a:ea typeface="ＭＳ ゴシック" pitchFamily="49" charset="-128"/>
                               <a:cs typeface="Courier New" pitchFamily="49" charset="0"/>
@@ -2120,7 +2123,7 @@
                         </m:e>
                         <m:sub>
                           <m:r>
-                            <a:rPr lang="en-US" altLang="ja-JP" sz="1200" b="0" i="1" smtClean="0">
+                            <a:rPr lang="en-US" altLang="ja-JP" sz="1050" b="0" i="1" smtClean="0">
                               <a:latin typeface="Cambria Math"/>
                               <a:ea typeface="ＭＳ ゴシック" pitchFamily="49" charset="-128"/>
                               <a:cs typeface="Courier New" pitchFamily="49" charset="0"/>
@@ -2130,7 +2133,7 @@
                         </m:sub>
                       </m:sSub>
                       <m:r>
-                        <a:rPr lang="en-US" altLang="ja-JP" sz="1200" b="0" i="1" smtClean="0">
+                        <a:rPr lang="en-US" altLang="ja-JP" sz="1050" b="0" i="1" smtClean="0">
                           <a:latin typeface="Cambria Math"/>
                           <a:ea typeface="ＭＳ ゴシック" pitchFamily="49" charset="-128"/>
                           <a:cs typeface="Courier New" pitchFamily="49" charset="0"/>
@@ -2140,7 +2143,7 @@
                     </m:oMath>
                   </m:oMathPara>
                 </a14:m>
-                <a:endParaRPr lang="ja-JP" altLang="en-US" sz="1200">
+                <a:endParaRPr lang="ja-JP" altLang="en-US" sz="1050">
                   <a:latin typeface="Courier New" pitchFamily="49" charset="0"/>
                   <a:ea typeface="ＭＳ ゴシック" pitchFamily="49" charset="-128"/>
                   <a:cs typeface="Courier New" pitchFamily="49" charset="0"/>
@@ -2160,8 +2163,8 @@
             </p:nvSpPr>
             <p:spPr>
               <a:xfrm>
-                <a:off x="96979" y="2568870"/>
-                <a:ext cx="1003757" cy="457433"/>
+                <a:off x="269776" y="2533078"/>
+                <a:ext cx="830960" cy="411779"/>
               </a:xfrm>
               <a:prstGeom prst="rect">
                 <a:avLst/>
@@ -2169,7 +2172,7 @@
               <a:blipFill rotWithShape="1">
                 <a:blip r:embed="rId2"/>
                 <a:stretch>
-                  <a:fillRect b="-2597"/>
+                  <a:fillRect/>
                 </a:stretch>
               </a:blipFill>
               <a:ln w="9525" cap="rnd">
@@ -2236,7 +2239,7 @@
           <a:lstStyle/>
           <a:p>
             <a:pPr algn="ctr"/>
-            <a:endParaRPr kumimoji="1" lang="ja-JP" altLang="en-US" sz="1200"/>
+            <a:endParaRPr kumimoji="1" lang="ja-JP" altLang="en-US" sz="1050"/>
           </a:p>
         </p:txBody>
       </p:sp>
@@ -2248,8 +2251,8 @@
         </p:nvSpPr>
         <p:spPr>
           <a:xfrm>
-            <a:off x="2122627" y="2425698"/>
-            <a:ext cx="646331" cy="276999"/>
+            <a:off x="1997968" y="2469490"/>
+            <a:ext cx="588623" cy="253916"/>
           </a:xfrm>
           <a:prstGeom prst="rect">
             <a:avLst/>
@@ -2267,7 +2270,7 @@
           <a:lstStyle/>
           <a:p>
             <a:r>
-              <a:rPr lang="ja-JP" altLang="en-US" sz="1200">
+              <a:rPr lang="ja-JP" altLang="en-US" sz="1050">
                 <a:latin typeface="HG丸ｺﾞｼｯｸM-PRO" panose="020F0600000000000000" pitchFamily="50" charset="-128"/>
                 <a:ea typeface="HG丸ｺﾞｼｯｸM-PRO" panose="020F0600000000000000" pitchFamily="50" charset="-128"/>
                 <a:cs typeface="Courier New" pitchFamily="49" charset="0"/>
@@ -2275,14 +2278,14 @@
               <a:t>攻撃</a:t>
             </a:r>
             <a:r>
-              <a:rPr lang="ja-JP" altLang="en-US" sz="1200" smtClean="0">
+              <a:rPr lang="ja-JP" altLang="en-US" sz="1050" smtClean="0">
                 <a:latin typeface="HG丸ｺﾞｼｯｸM-PRO" panose="020F0600000000000000" pitchFamily="50" charset="-128"/>
                 <a:ea typeface="HG丸ｺﾞｼｯｸM-PRO" panose="020F0600000000000000" pitchFamily="50" charset="-128"/>
                 <a:cs typeface="Courier New" pitchFamily="49" charset="0"/>
               </a:rPr>
               <a:t>者</a:t>
             </a:r>
-            <a:endParaRPr lang="ja-JP" altLang="en-US" sz="1200">
+            <a:endParaRPr lang="ja-JP" altLang="en-US" sz="1050">
               <a:latin typeface="HG丸ｺﾞｼｯｸM-PRO" panose="020F0600000000000000" pitchFamily="50" charset="-128"/>
               <a:ea typeface="HG丸ｺﾞｼｯｸM-PRO" panose="020F0600000000000000" pitchFamily="50" charset="-128"/>
               <a:cs typeface="Courier New" pitchFamily="49" charset="0"/>
@@ -2290,8 +2293,8 @@
           </a:p>
         </p:txBody>
       </p:sp>
-      <mc:AlternateContent xmlns:mc="http://schemas.openxmlformats.org/markup-compatibility/2006" xmlns:a14="http://schemas.microsoft.com/office/drawing/2010/main">
-        <mc:Choice Requires="a14">
+      <mc:AlternateContent xmlns:mc="http://schemas.openxmlformats.org/markup-compatibility/2006">
+        <mc:Choice xmlns:a14="http://schemas.microsoft.com/office/drawing/2010/main" Requires="a14">
           <p:sp>
             <p:nvSpPr>
               <p:cNvPr id="11" name="テキスト ボックス 10"/>
@@ -2301,7 +2304,7 @@
             <p:spPr>
               <a:xfrm>
                 <a:off x="3438129" y="2533078"/>
-                <a:ext cx="936090" cy="461665"/>
+                <a:ext cx="840871" cy="415498"/>
               </a:xfrm>
               <a:prstGeom prst="rect">
                 <a:avLst/>
@@ -2328,17 +2331,20 @@
                     </m:oMathParaPr>
                     <m:oMath xmlns:m="http://schemas.openxmlformats.org/officeDocument/2006/math">
                       <m:r>
-                        <a:rPr lang="en-US" altLang="ja-JP" sz="1200" i="1">
+                        <m:rPr>
+                          <m:sty m:val="p"/>
+                        </m:rPr>
+                        <a:rPr lang="en-US" altLang="ja-JP" sz="1050" i="0">
                           <a:latin typeface="Cambria Math"/>
                           <a:ea typeface="ＭＳ ゴシック" pitchFamily="49" charset="-128"/>
                           <a:cs typeface="Courier New" pitchFamily="49" charset="0"/>
                         </a:rPr>
-                        <m:t>𝐷𝑒𝑐</m:t>
+                        <m:t>Dec</m:t>
                       </m:r>
                       <m:d>
                         <m:dPr>
                           <m:ctrlPr>
-                            <a:rPr lang="en-US" altLang="ja-JP" sz="1200" i="1">
+                            <a:rPr lang="en-US" altLang="ja-JP" sz="1050" i="1">
                               <a:latin typeface="Cambria Math"/>
                               <a:ea typeface="ＭＳ ゴシック" pitchFamily="49" charset="-128"/>
                               <a:cs typeface="Courier New" pitchFamily="49" charset="0"/>
@@ -2349,7 +2355,7 @@
                           <m:sSubSup>
                             <m:sSubSupPr>
                               <m:ctrlPr>
-                                <a:rPr lang="en-US" altLang="ja-JP" sz="1200" i="1">
+                                <a:rPr lang="en-US" altLang="ja-JP" sz="1050" i="1">
                                   <a:latin typeface="Cambria Math"/>
                                   <a:ea typeface="ＭＳ ゴシック" pitchFamily="49" charset="-128"/>
                                   <a:cs typeface="Courier New" pitchFamily="49" charset="0"/>
@@ -2358,7 +2364,7 @@
                             </m:sSubSupPr>
                             <m:e>
                               <m:r>
-                                <a:rPr lang="en-US" altLang="ja-JP" sz="1200" i="1">
+                                <a:rPr lang="en-US" altLang="ja-JP" sz="1050" i="1">
                                   <a:latin typeface="Cambria Math"/>
                                   <a:ea typeface="ＭＳ ゴシック" pitchFamily="49" charset="-128"/>
                                   <a:cs typeface="Courier New" pitchFamily="49" charset="0"/>
@@ -2368,7 +2374,7 @@
                             </m:e>
                             <m:sub>
                               <m:r>
-                                <a:rPr lang="en-US" altLang="ja-JP" sz="1200" i="1">
+                                <a:rPr lang="en-US" altLang="ja-JP" sz="1050" i="1">
                                   <a:latin typeface="Cambria Math"/>
                                   <a:ea typeface="ＭＳ ゴシック" pitchFamily="49" charset="-128"/>
                                   <a:cs typeface="Courier New" pitchFamily="49" charset="0"/>
@@ -2378,7 +2384,7 @@
                             </m:sub>
                             <m:sup>
                               <m:r>
-                                <a:rPr lang="en-US" altLang="ja-JP" sz="1200" i="1">
+                                <a:rPr lang="en-US" altLang="ja-JP" sz="1050" i="1">
                                   <a:latin typeface="Cambria Math"/>
                                   <a:ea typeface="ＭＳ ゴシック" pitchFamily="49" charset="-128"/>
                                   <a:cs typeface="Courier New" pitchFamily="49" charset="0"/>
@@ -2388,7 +2394,7 @@
                             </m:sup>
                           </m:sSubSup>
                           <m:r>
-                            <a:rPr lang="en-US" altLang="ja-JP" sz="1200" i="1">
+                            <a:rPr lang="en-US" altLang="ja-JP" sz="1050" i="1">
                               <a:latin typeface="Cambria Math"/>
                               <a:ea typeface="ＭＳ ゴシック" pitchFamily="49" charset="-128"/>
                               <a:cs typeface="Courier New" pitchFamily="49" charset="0"/>
@@ -2398,7 +2404,7 @@
                           <m:sSubSup>
                             <m:sSubSupPr>
                               <m:ctrlPr>
-                                <a:rPr lang="en-US" altLang="ja-JP" sz="1200" i="1">
+                                <a:rPr lang="en-US" altLang="ja-JP" sz="1050" i="1">
                                   <a:latin typeface="Cambria Math"/>
                                   <a:ea typeface="ＭＳ ゴシック" pitchFamily="49" charset="-128"/>
                                   <a:cs typeface="Courier New" pitchFamily="49" charset="0"/>
@@ -2407,7 +2413,7 @@
                             </m:sSubSupPr>
                             <m:e>
                               <m:r>
-                                <a:rPr lang="en-US" altLang="ja-JP" sz="1200" i="1">
+                                <a:rPr lang="en-US" altLang="ja-JP" sz="1050" i="1">
                                   <a:latin typeface="Cambria Math"/>
                                   <a:ea typeface="ＭＳ ゴシック" pitchFamily="49" charset="-128"/>
                                   <a:cs typeface="Courier New" pitchFamily="49" charset="0"/>
@@ -2417,7 +2423,7 @@
                             </m:e>
                             <m:sub>
                               <m:r>
-                                <a:rPr lang="en-US" altLang="ja-JP" sz="1200" i="1">
+                                <a:rPr lang="en-US" altLang="ja-JP" sz="1050" i="1">
                                   <a:latin typeface="Cambria Math"/>
                                   <a:ea typeface="ＭＳ ゴシック" pitchFamily="49" charset="-128"/>
                                   <a:cs typeface="Courier New" pitchFamily="49" charset="0"/>
@@ -2427,7 +2433,7 @@
                             </m:sub>
                             <m:sup>
                               <m:r>
-                                <a:rPr lang="en-US" altLang="ja-JP" sz="1200" i="1">
+                                <a:rPr lang="en-US" altLang="ja-JP" sz="1050" i="1">
                                   <a:latin typeface="Cambria Math"/>
                                   <a:ea typeface="ＭＳ ゴシック" pitchFamily="49" charset="-128"/>
                                   <a:cs typeface="Courier New" pitchFamily="49" charset="0"/>
@@ -2441,7 +2447,7 @@
                     </m:oMath>
                     <m:oMath xmlns:m="http://schemas.openxmlformats.org/officeDocument/2006/math">
                       <m:r>
-                        <a:rPr lang="en-US" altLang="ja-JP" sz="1200">
+                        <a:rPr lang="en-US" altLang="ja-JP" sz="1050">
                           <a:latin typeface="Cambria Math"/>
                           <a:ea typeface="ＭＳ ゴシック" pitchFamily="49" charset="-128"/>
                           <a:cs typeface="Courier New" pitchFamily="49" charset="0"/>
@@ -2449,7 +2455,7 @@
                         <m:t>=</m:t>
                       </m:r>
                       <m:r>
-                        <a:rPr lang="en-US" altLang="ja-JP" sz="1200" i="1">
+                        <a:rPr lang="en-US" altLang="ja-JP" sz="1050" i="1">
                           <a:latin typeface="Cambria Math"/>
                           <a:ea typeface="ＭＳ ゴシック" pitchFamily="49" charset="-128"/>
                           <a:cs typeface="Courier New" pitchFamily="49" charset="0"/>
@@ -2459,7 +2465,7 @@
                     </m:oMath>
                   </m:oMathPara>
                 </a14:m>
-                <a:endParaRPr lang="ja-JP" altLang="en-US" sz="1200">
+                <a:endParaRPr lang="ja-JP" altLang="en-US" sz="1050">
                   <a:latin typeface="Courier New" pitchFamily="49" charset="0"/>
                   <a:ea typeface="ＭＳ ゴシック" pitchFamily="49" charset="-128"/>
                   <a:cs typeface="Courier New" pitchFamily="49" charset="0"/>
@@ -2468,7 +2474,7 @@
             </p:txBody>
           </p:sp>
         </mc:Choice>
-        <mc:Fallback xmlns="">
+        <mc:Fallback>
           <p:sp>
             <p:nvSpPr>
               <p:cNvPr id="11" name="テキスト ボックス 10"/>
@@ -2480,7 +2486,7 @@
             <p:spPr>
               <a:xfrm>
                 <a:off x="3438129" y="2533078"/>
-                <a:ext cx="936090" cy="461665"/>
+                <a:ext cx="840871" cy="415498"/>
               </a:xfrm>
               <a:prstGeom prst="rect">
                 <a:avLst/>
@@ -2513,8 +2519,8 @@
           </p:sp>
         </mc:Fallback>
       </mc:AlternateContent>
-      <mc:AlternateContent xmlns:mc="http://schemas.openxmlformats.org/markup-compatibility/2006" xmlns:a14="http://schemas.microsoft.com/office/drawing/2010/main">
-        <mc:Choice Requires="a14">
+      <mc:AlternateContent xmlns:mc="http://schemas.openxmlformats.org/markup-compatibility/2006">
+        <mc:Choice xmlns:a14="http://schemas.microsoft.com/office/drawing/2010/main" Requires="a14">
           <p:sp>
             <p:nvSpPr>
               <p:cNvPr id="12" name="テキスト ボックス 11"/>
@@ -2523,8 +2529,8 @@
             </p:nvSpPr>
             <p:spPr>
               <a:xfrm>
-                <a:off x="1241884" y="2848258"/>
-                <a:ext cx="2090829" cy="461665"/>
+                <a:off x="1701084" y="2723406"/>
+                <a:ext cx="1361270" cy="577081"/>
               </a:xfrm>
               <a:prstGeom prst="rect">
                 <a:avLst/>
@@ -2542,7 +2548,7 @@
               <a:lstStyle/>
               <a:p>
                 <a:r>
-                  <a:rPr lang="ja-JP" altLang="en-US" sz="1200">
+                  <a:rPr lang="ja-JP" altLang="en-US" sz="1050" smtClean="0">
                     <a:latin typeface="HG丸ｺﾞｼｯｸM-PRO" panose="020F0600000000000000" pitchFamily="50" charset="-128"/>
                     <a:ea typeface="HG丸ｺﾞｼｯｸM-PRO" panose="020F0600000000000000" pitchFamily="50" charset="-128"/>
                     <a:cs typeface="Courier New" pitchFamily="49" charset="0"/>
@@ -2550,7 +2556,7 @@
                   <a:t>復号はできないが</a:t>
                 </a:r>
                 <a:r>
-                  <a:rPr lang="en-US" altLang="ja-JP" sz="1200" i="1">
+                  <a:rPr lang="en-US" altLang="ja-JP" sz="1050" i="1">
                     <a:latin typeface="Cambria Math"/>
                     <a:ea typeface="ＭＳ ゴシック" pitchFamily="49" charset="-128"/>
                     <a:cs typeface="Courier New" pitchFamily="49" charset="0"/>
@@ -2558,214 +2564,247 @@
                   <a:t/>
                 </a:r>
                 <a:br>
-                  <a:rPr lang="en-US" altLang="ja-JP" sz="1200" i="1">
+                  <a:rPr lang="en-US" altLang="ja-JP" sz="1050" i="1">
                     <a:latin typeface="Cambria Math"/>
                     <a:ea typeface="ＭＳ ゴシック" pitchFamily="49" charset="-128"/>
                     <a:cs typeface="Courier New" pitchFamily="49" charset="0"/>
                   </a:rPr>
                 </a:br>
                 <a14:m>
-                  <m:oMath xmlns:m="http://schemas.openxmlformats.org/officeDocument/2006/math">
-                    <m:d>
-                      <m:dPr>
-                        <m:ctrlPr>
-                          <a:rPr lang="en-US" altLang="ja-JP" sz="1200" i="1">
-                            <a:latin typeface="Cambria Math"/>
-                            <a:ea typeface="ＭＳ ゴシック" pitchFamily="49" charset="-128"/>
-                            <a:cs typeface="Courier New" pitchFamily="49" charset="0"/>
-                          </a:rPr>
-                        </m:ctrlPr>
-                      </m:dPr>
-                      <m:e>
-                        <m:sSubSup>
-                          <m:sSubSupPr>
-                            <m:ctrlPr>
-                              <a:rPr lang="en-US" altLang="ja-JP" sz="1200" i="1">
-                                <a:latin typeface="Cambria Math"/>
-                                <a:ea typeface="ＭＳ ゴシック" pitchFamily="49" charset="-128"/>
-                                <a:cs typeface="Courier New" pitchFamily="49" charset="0"/>
-                              </a:rPr>
-                            </m:ctrlPr>
-                          </m:sSubSupPr>
-                          <m:e>
-                            <m:r>
-                              <a:rPr lang="en-US" altLang="ja-JP" sz="1200" i="1">
-                                <a:latin typeface="Cambria Math"/>
-                                <a:ea typeface="ＭＳ ゴシック" pitchFamily="49" charset="-128"/>
-                                <a:cs typeface="Courier New" pitchFamily="49" charset="0"/>
-                              </a:rPr>
-                              <m:t>𝑐</m:t>
-                            </m:r>
-                          </m:e>
-                          <m:sub>
-                            <m:r>
-                              <a:rPr lang="en-US" altLang="ja-JP" sz="1200" i="1">
-                                <a:latin typeface="Cambria Math"/>
-                                <a:ea typeface="ＭＳ ゴシック" pitchFamily="49" charset="-128"/>
-                                <a:cs typeface="Courier New" pitchFamily="49" charset="0"/>
-                              </a:rPr>
-                              <m:t>1</m:t>
-                            </m:r>
-                          </m:sub>
-                          <m:sup>
-                            <m:r>
-                              <a:rPr lang="en-US" altLang="ja-JP" sz="1200" i="1">
-                                <a:latin typeface="Cambria Math"/>
-                                <a:ea typeface="ＭＳ ゴシック" pitchFamily="49" charset="-128"/>
-                                <a:cs typeface="Courier New" pitchFamily="49" charset="0"/>
-                              </a:rPr>
-                              <m:t>′</m:t>
-                            </m:r>
-                          </m:sup>
-                        </m:sSubSup>
-                        <m:r>
-                          <a:rPr lang="en-US" altLang="ja-JP" sz="1200" i="1">
-                            <a:latin typeface="Cambria Math"/>
-                            <a:ea typeface="ＭＳ ゴシック" pitchFamily="49" charset="-128"/>
-                            <a:cs typeface="Courier New" pitchFamily="49" charset="0"/>
-                          </a:rPr>
-                          <m:t>,</m:t>
-                        </m:r>
-                        <m:sSubSup>
-                          <m:sSubSupPr>
-                            <m:ctrlPr>
-                              <a:rPr lang="en-US" altLang="ja-JP" sz="1200" i="1">
-                                <a:latin typeface="Cambria Math"/>
-                                <a:ea typeface="ＭＳ ゴシック" pitchFamily="49" charset="-128"/>
-                                <a:cs typeface="Courier New" pitchFamily="49" charset="0"/>
-                              </a:rPr>
-                            </m:ctrlPr>
-                          </m:sSubSupPr>
-                          <m:e>
-                            <m:r>
-                              <a:rPr lang="en-US" altLang="ja-JP" sz="1200" i="1">
-                                <a:latin typeface="Cambria Math"/>
-                                <a:ea typeface="ＭＳ ゴシック" pitchFamily="49" charset="-128"/>
-                                <a:cs typeface="Courier New" pitchFamily="49" charset="0"/>
-                              </a:rPr>
-                              <m:t>𝑐</m:t>
-                            </m:r>
-                          </m:e>
-                          <m:sub>
-                            <m:r>
-                              <a:rPr lang="en-US" altLang="ja-JP" sz="1200" i="1">
-                                <a:latin typeface="Cambria Math"/>
-                                <a:ea typeface="ＭＳ ゴシック" pitchFamily="49" charset="-128"/>
-                                <a:cs typeface="Courier New" pitchFamily="49" charset="0"/>
-                              </a:rPr>
-                              <m:t>2</m:t>
-                            </m:r>
-                          </m:sub>
-                          <m:sup>
-                            <m:r>
-                              <a:rPr lang="en-US" altLang="ja-JP" sz="1200" i="1">
-                                <a:latin typeface="Cambria Math"/>
-                                <a:ea typeface="ＭＳ ゴシック" pitchFamily="49" charset="-128"/>
-                                <a:cs typeface="Courier New" pitchFamily="49" charset="0"/>
-                              </a:rPr>
-                              <m:t>′</m:t>
-                            </m:r>
-                          </m:sup>
-                        </m:sSubSup>
-                      </m:e>
-                    </m:d>
-                    <m:r>
-                      <a:rPr lang="en-US" altLang="ja-JP" sz="1200" i="1">
-                        <a:latin typeface="Cambria Math"/>
-                        <a:ea typeface="ＭＳ ゴシック" pitchFamily="49" charset="-128"/>
-                        <a:cs typeface="Courier New" pitchFamily="49" charset="0"/>
-                      </a:rPr>
-                      <m:t>=(</m:t>
-                    </m:r>
-                    <m:sSub>
-                      <m:sSubPr>
-                        <m:ctrlPr>
-                          <a:rPr lang="en-US" altLang="ja-JP" sz="1200" i="1">
-                            <a:latin typeface="Cambria Math"/>
-                            <a:ea typeface="ＭＳ ゴシック" pitchFamily="49" charset="-128"/>
-                            <a:cs typeface="Courier New" pitchFamily="49" charset="0"/>
-                          </a:rPr>
-                        </m:ctrlPr>
-                      </m:sSubPr>
-                      <m:e>
-                        <m:r>
-                          <a:rPr lang="en-US" altLang="ja-JP" sz="1200" i="1">
-                            <a:latin typeface="Cambria Math"/>
-                            <a:ea typeface="ＭＳ ゴシック" pitchFamily="49" charset="-128"/>
-                            <a:cs typeface="Courier New" pitchFamily="49" charset="0"/>
-                          </a:rPr>
-                          <m:t>𝑐</m:t>
-                        </m:r>
-                      </m:e>
-                      <m:sub>
-                        <m:r>
-                          <a:rPr lang="en-US" altLang="ja-JP" sz="1200" i="1">
-                            <a:latin typeface="Cambria Math"/>
-                            <a:ea typeface="ＭＳ ゴシック" pitchFamily="49" charset="-128"/>
-                            <a:cs typeface="Courier New" pitchFamily="49" charset="0"/>
-                          </a:rPr>
-                          <m:t>1</m:t>
-                        </m:r>
-                      </m:sub>
-                    </m:sSub>
-                    <m:r>
-                      <a:rPr lang="en-US" altLang="ja-JP" sz="1200" i="1">
-                        <a:latin typeface="Cambria Math"/>
-                        <a:ea typeface="ＭＳ ゴシック" pitchFamily="49" charset="-128"/>
-                        <a:cs typeface="Courier New" pitchFamily="49" charset="0"/>
-                      </a:rPr>
-                      <m:t>,10</m:t>
-                    </m:r>
-                    <m:sSub>
-                      <m:sSubPr>
-                        <m:ctrlPr>
-                          <a:rPr lang="en-US" altLang="ja-JP" sz="1200" i="1">
-                            <a:latin typeface="Cambria Math"/>
-                            <a:ea typeface="ＭＳ ゴシック" pitchFamily="49" charset="-128"/>
-                            <a:cs typeface="Courier New" pitchFamily="49" charset="0"/>
-                          </a:rPr>
-                        </m:ctrlPr>
-                      </m:sSubPr>
-                      <m:e>
-                        <m:r>
-                          <a:rPr lang="en-US" altLang="ja-JP" sz="1200" i="1">
-                            <a:latin typeface="Cambria Math"/>
-                            <a:ea typeface="ＭＳ ゴシック" pitchFamily="49" charset="-128"/>
-                            <a:cs typeface="Courier New" pitchFamily="49" charset="0"/>
-                          </a:rPr>
-                          <m:t>𝑐</m:t>
-                        </m:r>
-                      </m:e>
-                      <m:sub>
-                        <m:r>
-                          <a:rPr lang="en-US" altLang="ja-JP" sz="1200" i="1">
-                            <a:latin typeface="Cambria Math"/>
-                            <a:ea typeface="ＭＳ ゴシック" pitchFamily="49" charset="-128"/>
-                            <a:cs typeface="Courier New" pitchFamily="49" charset="0"/>
-                          </a:rPr>
-                          <m:t>2</m:t>
-                        </m:r>
-                      </m:sub>
-                    </m:sSub>
-                    <m:r>
-                      <a:rPr lang="en-US" altLang="ja-JP" sz="1200" i="1">
-                        <a:latin typeface="Cambria Math"/>
-                        <a:ea typeface="ＭＳ ゴシック" pitchFamily="49" charset="-128"/>
-                        <a:cs typeface="Courier New" pitchFamily="49" charset="0"/>
-                      </a:rPr>
-                      <m:t>)</m:t>
-                    </m:r>
-                  </m:oMath>
+                  <m:oMathPara xmlns:m="http://schemas.openxmlformats.org/officeDocument/2006/math">
+                    <m:oMathParaPr>
+                      <m:jc m:val="centerGroup"/>
+                    </m:oMathParaPr>
+                    <m:oMath xmlns:m="http://schemas.openxmlformats.org/officeDocument/2006/math">
+                      <m:d>
+                        <m:dPr>
+                          <m:ctrlPr>
+                            <a:rPr lang="en-US" altLang="ja-JP" sz="1050" i="1">
+                              <a:latin typeface="Cambria Math"/>
+                              <a:ea typeface="ＭＳ ゴシック" pitchFamily="49" charset="-128"/>
+                              <a:cs typeface="Courier New" pitchFamily="49" charset="0"/>
+                            </a:rPr>
+                          </m:ctrlPr>
+                        </m:dPr>
+                        <m:e>
+                          <m:sSubSup>
+                            <m:sSubSupPr>
+                              <m:ctrlPr>
+                                <a:rPr lang="en-US" altLang="ja-JP" sz="1050" i="1">
+                                  <a:latin typeface="Cambria Math"/>
+                                  <a:ea typeface="ＭＳ ゴシック" pitchFamily="49" charset="-128"/>
+                                  <a:cs typeface="Courier New" pitchFamily="49" charset="0"/>
+                                </a:rPr>
+                              </m:ctrlPr>
+                            </m:sSubSupPr>
+                            <m:e>
+                              <m:r>
+                                <a:rPr lang="en-US" altLang="ja-JP" sz="1050" i="1">
+                                  <a:latin typeface="Cambria Math"/>
+                                  <a:ea typeface="ＭＳ ゴシック" pitchFamily="49" charset="-128"/>
+                                  <a:cs typeface="Courier New" pitchFamily="49" charset="0"/>
+                                </a:rPr>
+                                <m:t>𝑐</m:t>
+                              </m:r>
+                            </m:e>
+                            <m:sub>
+                              <m:r>
+                                <a:rPr lang="en-US" altLang="ja-JP" sz="1050" i="1">
+                                  <a:latin typeface="Cambria Math"/>
+                                  <a:ea typeface="ＭＳ ゴシック" pitchFamily="49" charset="-128"/>
+                                  <a:cs typeface="Courier New" pitchFamily="49" charset="0"/>
+                                </a:rPr>
+                                <m:t>1</m:t>
+                              </m:r>
+                            </m:sub>
+                            <m:sup>
+                              <m:r>
+                                <a:rPr lang="en-US" altLang="ja-JP" sz="1050" i="1">
+                                  <a:latin typeface="Cambria Math"/>
+                                  <a:ea typeface="ＭＳ ゴシック" pitchFamily="49" charset="-128"/>
+                                  <a:cs typeface="Courier New" pitchFamily="49" charset="0"/>
+                                </a:rPr>
+                                <m:t>′</m:t>
+                              </m:r>
+                            </m:sup>
+                          </m:sSubSup>
+                          <m:r>
+                            <a:rPr lang="en-US" altLang="ja-JP" sz="1050" i="1">
+                              <a:latin typeface="Cambria Math"/>
+                              <a:ea typeface="ＭＳ ゴシック" pitchFamily="49" charset="-128"/>
+                              <a:cs typeface="Courier New" pitchFamily="49" charset="0"/>
+                            </a:rPr>
+                            <m:t>,</m:t>
+                          </m:r>
+                          <m:sSubSup>
+                            <m:sSubSupPr>
+                              <m:ctrlPr>
+                                <a:rPr lang="en-US" altLang="ja-JP" sz="1050" i="1">
+                                  <a:latin typeface="Cambria Math"/>
+                                  <a:ea typeface="ＭＳ ゴシック" pitchFamily="49" charset="-128"/>
+                                  <a:cs typeface="Courier New" pitchFamily="49" charset="0"/>
+                                </a:rPr>
+                              </m:ctrlPr>
+                            </m:sSubSupPr>
+                            <m:e>
+                              <m:r>
+                                <a:rPr lang="en-US" altLang="ja-JP" sz="1050" i="1">
+                                  <a:latin typeface="Cambria Math"/>
+                                  <a:ea typeface="ＭＳ ゴシック" pitchFamily="49" charset="-128"/>
+                                  <a:cs typeface="Courier New" pitchFamily="49" charset="0"/>
+                                </a:rPr>
+                                <m:t>𝑐</m:t>
+                              </m:r>
+                            </m:e>
+                            <m:sub>
+                              <m:r>
+                                <a:rPr lang="en-US" altLang="ja-JP" sz="1050" i="1">
+                                  <a:latin typeface="Cambria Math"/>
+                                  <a:ea typeface="ＭＳ ゴシック" pitchFamily="49" charset="-128"/>
+                                  <a:cs typeface="Courier New" pitchFamily="49" charset="0"/>
+                                </a:rPr>
+                                <m:t>2</m:t>
+                              </m:r>
+                            </m:sub>
+                            <m:sup>
+                              <m:r>
+                                <a:rPr lang="en-US" altLang="ja-JP" sz="1050" i="1">
+                                  <a:latin typeface="Cambria Math"/>
+                                  <a:ea typeface="ＭＳ ゴシック" pitchFamily="49" charset="-128"/>
+                                  <a:cs typeface="Courier New" pitchFamily="49" charset="0"/>
+                                </a:rPr>
+                                <m:t>′</m:t>
+                              </m:r>
+                            </m:sup>
+                          </m:sSubSup>
+                        </m:e>
+                      </m:d>
+                      <m:r>
+                        <a:rPr lang="en-US" altLang="ja-JP" sz="1050" i="1">
+                          <a:latin typeface="Cambria Math"/>
+                          <a:ea typeface="ＭＳ ゴシック" pitchFamily="49" charset="-128"/>
+                          <a:cs typeface="Courier New" pitchFamily="49" charset="0"/>
+                        </a:rPr>
+                        <m:t>=</m:t>
+                      </m:r>
+                      <m:d>
+                        <m:dPr>
+                          <m:ctrlPr>
+                            <a:rPr lang="en-US" altLang="ja-JP" sz="1050" i="1">
+                              <a:latin typeface="Cambria Math"/>
+                              <a:ea typeface="ＭＳ ゴシック" pitchFamily="49" charset="-128"/>
+                              <a:cs typeface="Courier New" pitchFamily="49" charset="0"/>
+                            </a:rPr>
+                          </m:ctrlPr>
+                        </m:dPr>
+                        <m:e>
+                          <m:sSub>
+                            <m:sSubPr>
+                              <m:ctrlPr>
+                                <a:rPr lang="en-US" altLang="ja-JP" sz="1050" i="1">
+                                  <a:latin typeface="Cambria Math"/>
+                                  <a:ea typeface="ＭＳ ゴシック" pitchFamily="49" charset="-128"/>
+                                  <a:cs typeface="Courier New" pitchFamily="49" charset="0"/>
+                                </a:rPr>
+                              </m:ctrlPr>
+                            </m:sSubPr>
+                            <m:e>
+                              <m:r>
+                                <a:rPr lang="en-US" altLang="ja-JP" sz="1050" i="1">
+                                  <a:latin typeface="Cambria Math"/>
+                                  <a:ea typeface="ＭＳ ゴシック" pitchFamily="49" charset="-128"/>
+                                  <a:cs typeface="Courier New" pitchFamily="49" charset="0"/>
+                                </a:rPr>
+                                <m:t>𝑐</m:t>
+                              </m:r>
+                            </m:e>
+                            <m:sub>
+                              <m:r>
+                                <a:rPr lang="en-US" altLang="ja-JP" sz="1050" i="1">
+                                  <a:latin typeface="Cambria Math"/>
+                                  <a:ea typeface="ＭＳ ゴシック" pitchFamily="49" charset="-128"/>
+                                  <a:cs typeface="Courier New" pitchFamily="49" charset="0"/>
+                                </a:rPr>
+                                <m:t>1</m:t>
+                              </m:r>
+                            </m:sub>
+                          </m:sSub>
+                          <m:r>
+                            <a:rPr lang="en-US" altLang="ja-JP" sz="1050" i="1">
+                              <a:latin typeface="Cambria Math"/>
+                              <a:ea typeface="ＭＳ ゴシック" pitchFamily="49" charset="-128"/>
+                              <a:cs typeface="Courier New" pitchFamily="49" charset="0"/>
+                            </a:rPr>
+                            <m:t>,10</m:t>
+                          </m:r>
+                          <m:sSub>
+                            <m:sSubPr>
+                              <m:ctrlPr>
+                                <a:rPr lang="en-US" altLang="ja-JP" sz="1050" i="1">
+                                  <a:latin typeface="Cambria Math"/>
+                                  <a:ea typeface="ＭＳ ゴシック" pitchFamily="49" charset="-128"/>
+                                  <a:cs typeface="Courier New" pitchFamily="49" charset="0"/>
+                                </a:rPr>
+                              </m:ctrlPr>
+                            </m:sSubPr>
+                            <m:e>
+                              <m:r>
+                                <a:rPr lang="en-US" altLang="ja-JP" sz="1050" i="1">
+                                  <a:latin typeface="Cambria Math"/>
+                                  <a:ea typeface="ＭＳ ゴシック" pitchFamily="49" charset="-128"/>
+                                  <a:cs typeface="Courier New" pitchFamily="49" charset="0"/>
+                                </a:rPr>
+                                <m:t>𝑐</m:t>
+                              </m:r>
+                            </m:e>
+                            <m:sub>
+                              <m:r>
+                                <a:rPr lang="en-US" altLang="ja-JP" sz="1050" i="1">
+                                  <a:latin typeface="Cambria Math"/>
+                                  <a:ea typeface="ＭＳ ゴシック" pitchFamily="49" charset="-128"/>
+                                  <a:cs typeface="Courier New" pitchFamily="49" charset="0"/>
+                                </a:rPr>
+                                <m:t>2</m:t>
+                              </m:r>
+                            </m:sub>
+                          </m:sSub>
+                        </m:e>
+                      </m:d>
+                    </m:oMath>
+                  </m:oMathPara>
                 </a14:m>
+                <a:endParaRPr lang="en-US" altLang="ja-JP" sz="1050" i="1" smtClean="0">
+                  <a:latin typeface="Cambria Math"/>
+                  <a:ea typeface="ＭＳ ゴシック" pitchFamily="49" charset="-128"/>
+                  <a:cs typeface="Courier New" pitchFamily="49" charset="0"/>
+                </a:endParaRPr>
+              </a:p>
+              <a:p>
                 <a:r>
-                  <a:rPr lang="ja-JP" altLang="en-US" sz="1200" smtClean="0">
+                  <a:rPr lang="ja-JP" altLang="en-US" sz="1050" smtClean="0">
                     <a:latin typeface="HG丸ｺﾞｼｯｸM-PRO" panose="020F0600000000000000" pitchFamily="50" charset="-128"/>
                     <a:ea typeface="HG丸ｺﾞｼｯｸM-PRO" panose="020F0600000000000000" pitchFamily="50" charset="-128"/>
                     <a:cs typeface="Courier New" pitchFamily="49" charset="0"/>
                   </a:rPr>
-                  <a:t>にできる</a:t>
+                  <a:t>に</a:t>
                 </a:r>
-                <a:endParaRPr lang="en-US" altLang="ja-JP" sz="1200">
+                <a:r>
+                  <a:rPr lang="ja-JP" altLang="en-US" sz="1050">
+                    <a:latin typeface="HG丸ｺﾞｼｯｸM-PRO" panose="020F0600000000000000" pitchFamily="50" charset="-128"/>
+                    <a:ea typeface="HG丸ｺﾞｼｯｸM-PRO" panose="020F0600000000000000" pitchFamily="50" charset="-128"/>
+                    <a:cs typeface="Courier New" pitchFamily="49" charset="0"/>
+                  </a:rPr>
+                  <a:t>改竄</a:t>
+                </a:r>
+                <a:r>
+                  <a:rPr lang="ja-JP" altLang="en-US" sz="1050" smtClean="0">
+                    <a:latin typeface="HG丸ｺﾞｼｯｸM-PRO" panose="020F0600000000000000" pitchFamily="50" charset="-128"/>
+                    <a:ea typeface="HG丸ｺﾞｼｯｸM-PRO" panose="020F0600000000000000" pitchFamily="50" charset="-128"/>
+                    <a:cs typeface="Courier New" pitchFamily="49" charset="0"/>
+                  </a:rPr>
+                  <a:t>できる</a:t>
+                </a:r>
+                <a:endParaRPr lang="en-US" altLang="ja-JP" sz="1050">
                   <a:latin typeface="HG丸ｺﾞｼｯｸM-PRO" panose="020F0600000000000000" pitchFamily="50" charset="-128"/>
                   <a:ea typeface="HG丸ｺﾞｼｯｸM-PRO" panose="020F0600000000000000" pitchFamily="50" charset="-128"/>
                   <a:cs typeface="Courier New" pitchFamily="49" charset="0"/>
@@ -2774,7 +2813,7 @@
             </p:txBody>
           </p:sp>
         </mc:Choice>
-        <mc:Fallback xmlns="">
+        <mc:Fallback>
           <p:sp>
             <p:nvSpPr>
               <p:cNvPr id="12" name="テキスト ボックス 11"/>
@@ -2785,8 +2824,8 @@
             </p:nvSpPr>
             <p:spPr>
               <a:xfrm>
-                <a:off x="1241884" y="2848258"/>
-                <a:ext cx="2090829" cy="461665"/>
+                <a:off x="1701084" y="2723406"/>
+                <a:ext cx="1361270" cy="577081"/>
               </a:xfrm>
               <a:prstGeom prst="rect">
                 <a:avLst/>
@@ -2794,7 +2833,7 @@
               <a:blipFill rotWithShape="1">
                 <a:blip r:embed="rId4"/>
                 <a:stretch>
-                  <a:fillRect l="-292" b="-9211"/>
+                  <a:fillRect b="-6383"/>
                 </a:stretch>
               </a:blipFill>
               <a:ln w="12700" cap="rnd">
